--- a/doc/demo_slide.pptx
+++ b/doc/demo_slide.pptx
@@ -5,7 +5,7 @@
     <p:sldMasterId id="2147483852" r:id="rId1"/>
   </p:sldMasterIdLst>
   <p:notesMasterIdLst>
-    <p:notesMasterId r:id="rId10"/>
+    <p:notesMasterId r:id="rId11"/>
   </p:notesMasterIdLst>
   <p:sldIdLst>
     <p:sldId id="256" r:id="rId2"/>
@@ -13,9 +13,10 @@
     <p:sldId id="259" r:id="rId4"/>
     <p:sldId id="258" r:id="rId5"/>
     <p:sldId id="260" r:id="rId6"/>
-    <p:sldId id="261" r:id="rId7"/>
-    <p:sldId id="262" r:id="rId8"/>
-    <p:sldId id="264" r:id="rId9"/>
+    <p:sldId id="265" r:id="rId7"/>
+    <p:sldId id="261" r:id="rId8"/>
+    <p:sldId id="262" r:id="rId9"/>
+    <p:sldId id="264" r:id="rId10"/>
   </p:sldIdLst>
   <p:sldSz cx="12192000" cy="6858000"/>
   <p:notesSz cx="6858000" cy="9144000"/>
@@ -13028,8 +13029,13 @@
             </a:pPr>
             <a:r>
               <a:rPr lang="en-US" altLang="zh-TW" sz="2400" dirty="0" smtClean="0"/>
-              <a:t>Problem Definition</a:t>
-            </a:r>
+              <a:t>Problem </a:t>
+            </a:r>
+            <a:r>
+              <a:rPr lang="en-US" altLang="zh-TW" sz="2400" dirty="0"/>
+              <a:t>Definition and Constraints</a:t>
+            </a:r>
+            <a:endParaRPr lang="en-US" altLang="zh-TW" sz="2400" dirty="0" smtClean="0"/>
           </a:p>
           <a:p>
             <a:pPr>
@@ -13059,6 +13065,14 @@
             <a:r>
               <a:rPr lang="en-US" altLang="zh-TW" sz="2400" dirty="0" smtClean="0"/>
               <a:t>Conclusion</a:t>
+            </a:r>
+            <a:r>
+              <a:rPr lang="zh-TW" altLang="en-US" sz="2400" dirty="0" smtClean="0"/>
+              <a:t> </a:t>
+            </a:r>
+            <a:r>
+              <a:rPr lang="en-US" altLang="zh-TW" sz="2400" dirty="0" smtClean="0"/>
+              <a:t>and Future Work</a:t>
             </a:r>
             <a:endParaRPr lang="en-US" altLang="zh-TW" sz="2400" dirty="0" smtClean="0"/>
           </a:p>
@@ -13171,6 +13185,34 @@
           </a:bodyPr>
           <a:lstStyle/>
           <a:p>
+            <a:r>
+              <a:rPr lang="en-US" altLang="zh-TW" sz="2400" dirty="0"/>
+              <a:t>Today there are many beautiful but inaccessible landscapes that are difficult to photograph on </a:t>
+            </a:r>
+            <a:r>
+              <a:rPr lang="en-US" altLang="zh-TW" sz="2400" dirty="0" smtClean="0"/>
+              <a:t>site.</a:t>
+            </a:r>
+          </a:p>
+          <a:p>
+            <a:r>
+              <a:rPr lang="en-US" altLang="zh-TW" sz="2400" dirty="0"/>
+              <a:t>Image Cloning provides an immersive shooting </a:t>
+            </a:r>
+            <a:r>
+              <a:rPr lang="en-US" altLang="zh-TW" sz="2400" dirty="0" smtClean="0"/>
+              <a:t>simulation.</a:t>
+            </a:r>
+          </a:p>
+          <a:p>
+            <a:r>
+              <a:rPr lang="en-US" altLang="zh-TW" sz="2400" dirty="0"/>
+              <a:t>However, finding character boundaries and accurately placing characters in landscape images is </a:t>
+            </a:r>
+            <a:r>
+              <a:rPr lang="en-US" altLang="zh-TW" sz="2400" dirty="0" smtClean="0"/>
+              <a:t>difficult.</a:t>
+            </a:r>
             <a:endParaRPr lang="zh-TW" altLang="en-US" sz="2400" dirty="0"/>
           </a:p>
         </p:txBody>
@@ -13208,6 +13250,13 @@
   <p:clrMapOvr>
     <a:masterClrMapping/>
   </p:clrMapOvr>
+  <p:timing>
+    <p:tnLst>
+      <p:par>
+        <p:cTn id="1" dur="indefinite" restart="never" nodeType="tmRoot"/>
+      </p:par>
+    </p:tnLst>
+  </p:timing>
 </p:sld>
 </file>
 
@@ -13249,7 +13298,7 @@
             </a:r>
             <a:r>
               <a:rPr lang="en-US" altLang="zh-TW" dirty="0" smtClean="0"/>
-              <a:t>Definition</a:t>
+              <a:t>Definition and Constraints</a:t>
             </a:r>
             <a:endParaRPr lang="zh-TW" altLang="en-US" dirty="0"/>
           </a:p>
@@ -13273,14 +13322,43 @@
           <a:lstStyle/>
           <a:p>
             <a:r>
+              <a:rPr lang="en-US" altLang="zh-TW" sz="2400" dirty="0"/>
+              <a:t>This study is an extension of SIGGRAPH 2009's "Coordinates for Instant Image Cloning" </a:t>
+            </a:r>
+            <a:r>
               <a:rPr lang="en-US" altLang="zh-TW" sz="2400" dirty="0" smtClean="0"/>
-              <a:t>Test object</a:t>
-            </a:r>
-            <a:r>
-              <a:rPr lang="zh-TW" altLang="en-US" sz="2400" dirty="0" smtClean="0"/>
-              <a:t>要是主體</a:t>
-            </a:r>
-            <a:endParaRPr lang="zh-TW" altLang="en-US" sz="2400" dirty="0"/>
+              <a:t>focus on </a:t>
+            </a:r>
+            <a:r>
+              <a:rPr lang="en-US" altLang="zh-TW" sz="2400" dirty="0"/>
+              <a:t>the following </a:t>
+            </a:r>
+            <a:r>
+              <a:rPr lang="en-US" altLang="zh-TW" sz="2400" dirty="0" smtClean="0"/>
+              <a:t>problems:</a:t>
+            </a:r>
+          </a:p>
+          <a:p>
+            <a:pPr lvl="1"/>
+            <a:r>
+              <a:rPr lang="en-US" altLang="zh-TW" sz="2200" dirty="0"/>
+              <a:t>Extract objects from photos and place them in background photos</a:t>
+            </a:r>
+            <a:r>
+              <a:rPr lang="en-US" altLang="zh-TW" sz="2200" dirty="0" smtClean="0"/>
+              <a:t>.</a:t>
+            </a:r>
+          </a:p>
+          <a:p>
+            <a:pPr lvl="1"/>
+            <a:r>
+              <a:rPr lang="en-US" altLang="zh-TW" sz="2200" dirty="0"/>
+              <a:t>The object in the photo must take up the majority of the </a:t>
+            </a:r>
+            <a:r>
+              <a:rPr lang="en-US" altLang="zh-TW" sz="2200" dirty="0" smtClean="0"/>
+              <a:t>photo.</a:t>
+            </a:r>
           </a:p>
         </p:txBody>
       </p:sp>
@@ -13317,6 +13395,13 @@
   <p:clrMapOvr>
     <a:masterClrMapping/>
   </p:clrMapOvr>
+  <p:timing>
+    <p:tnLst>
+      <p:par>
+        <p:cTn id="1" dur="indefinite" restart="never" nodeType="tmRoot"/>
+      </p:par>
+    </p:tnLst>
+  </p:timing>
 </p:sld>
 </file>
 
@@ -13381,7 +13466,103 @@
           </a:bodyPr>
           <a:lstStyle/>
           <a:p>
-            <a:endParaRPr lang="zh-TW" altLang="en-US" sz="2400" dirty="0"/>
+            <a:pPr marL="457200" indent="-457200">
+              <a:buFont typeface="+mj-lt"/>
+              <a:buAutoNum type="arabicPeriod"/>
+            </a:pPr>
+            <a:r>
+              <a:rPr lang="en-US" altLang="zh-TW" sz="2400" dirty="0" smtClean="0"/>
+              <a:t>Convert object picture to grayscale.</a:t>
+            </a:r>
+          </a:p>
+          <a:p>
+            <a:pPr marL="457200" indent="-457200">
+              <a:buFont typeface="+mj-lt"/>
+              <a:buAutoNum type="arabicPeriod"/>
+            </a:pPr>
+            <a:r>
+              <a:rPr lang="en-US" altLang="zh-TW" sz="2400" dirty="0"/>
+              <a:t>Apply 13x13 Gaussian </a:t>
+            </a:r>
+            <a:r>
+              <a:rPr lang="en-US" altLang="zh-TW" sz="2400" dirty="0" smtClean="0"/>
+              <a:t>Filter </a:t>
+            </a:r>
+            <a:r>
+              <a:rPr lang="en-US" altLang="zh-TW" sz="2400" dirty="0"/>
+              <a:t>to </a:t>
+            </a:r>
+            <a:r>
+              <a:rPr lang="en-US" altLang="zh-TW" sz="2400" dirty="0" err="1"/>
+              <a:t>denoise</a:t>
+            </a:r>
+            <a:r>
+              <a:rPr lang="en-US" altLang="zh-TW" sz="2400" dirty="0"/>
+              <a:t> the object </a:t>
+            </a:r>
+            <a:r>
+              <a:rPr lang="en-US" altLang="zh-TW" sz="2400" dirty="0" smtClean="0"/>
+              <a:t>image.</a:t>
+            </a:r>
+          </a:p>
+          <a:p>
+            <a:pPr marL="457200" indent="-457200">
+              <a:buFont typeface="+mj-lt"/>
+              <a:buAutoNum type="arabicPeriod"/>
+            </a:pPr>
+            <a:r>
+              <a:rPr lang="en-US" altLang="zh-TW" sz="2400" dirty="0" smtClean="0"/>
+              <a:t>Using </a:t>
+            </a:r>
+            <a:r>
+              <a:rPr lang="en-US" altLang="zh-TW" sz="2400" dirty="0"/>
+              <a:t>edge detection method to get object contour</a:t>
+            </a:r>
+            <a:r>
+              <a:rPr lang="en-US" altLang="zh-TW" sz="2400" dirty="0" smtClean="0"/>
+              <a:t>.</a:t>
+            </a:r>
+          </a:p>
+          <a:p>
+            <a:pPr marL="457200" indent="-457200">
+              <a:buFont typeface="+mj-lt"/>
+              <a:buAutoNum type="arabicPeriod"/>
+            </a:pPr>
+            <a:r>
+              <a:rPr lang="en-US" altLang="zh-TW" sz="2400" dirty="0" smtClean="0"/>
+              <a:t>Dilate and </a:t>
+            </a:r>
+            <a:r>
+              <a:rPr lang="en-US" altLang="zh-TW" sz="2400" dirty="0"/>
+              <a:t>i</a:t>
+            </a:r>
+            <a:r>
+              <a:rPr lang="en-US" altLang="zh-TW" sz="2400" dirty="0" smtClean="0"/>
+              <a:t>nverse image.</a:t>
+            </a:r>
+          </a:p>
+          <a:p>
+            <a:pPr marL="457200" indent="-457200">
+              <a:buFont typeface="+mj-lt"/>
+              <a:buAutoNum type="arabicPeriod"/>
+            </a:pPr>
+            <a:r>
+              <a:rPr lang="en-US" altLang="zh-TW" sz="2400" dirty="0"/>
+              <a:t>use </a:t>
+            </a:r>
+            <a:r>
+              <a:rPr lang="en-US" altLang="zh-TW" sz="2400" dirty="0" smtClean="0"/>
+              <a:t>4-connected </a:t>
+            </a:r>
+            <a:r>
+              <a:rPr lang="en-US" altLang="zh-TW" sz="2400" dirty="0"/>
+              <a:t>components method to get labels </a:t>
+            </a:r>
+            <a:r>
+              <a:rPr lang="en-US" altLang="zh-TW" sz="2400" dirty="0" smtClean="0"/>
+              <a:t>map and take small components as big component.</a:t>
+            </a:r>
+            <a:endParaRPr lang="en-US" altLang="zh-TW" sz="2400" dirty="0"/>
           </a:p>
         </p:txBody>
       </p:sp>
@@ -13408,6 +13589,186 @@
           </a:p>
         </p:txBody>
       </p:sp>
+      <p:pic>
+        <p:nvPicPr>
+          <p:cNvPr id="7" name="圖片 6"/>
+          <p:cNvPicPr>
+            <a:picLocks noChangeAspect="1"/>
+          </p:cNvPicPr>
+          <p:nvPr/>
+        </p:nvPicPr>
+        <p:blipFill>
+          <a:blip r:embed="rId2">
+            <a:extLst>
+              <a:ext uri="{28A0092B-C50C-407E-A947-70E740481C1C}">
+                <a14:useLocalDpi xmlns:a14="http://schemas.microsoft.com/office/drawing/2010/main" val="0"/>
+              </a:ext>
+            </a:extLst>
+          </a:blip>
+          <a:stretch>
+            <a:fillRect/>
+          </a:stretch>
+        </p:blipFill>
+        <p:spPr>
+          <a:xfrm>
+            <a:off x="9528453" y="2138023"/>
+            <a:ext cx="2486372" cy="1886213"/>
+          </a:xfrm>
+          <a:prstGeom prst="rect">
+            <a:avLst/>
+          </a:prstGeom>
+        </p:spPr>
+      </p:pic>
+      <p:pic>
+        <p:nvPicPr>
+          <p:cNvPr id="6" name="圖片 5"/>
+          <p:cNvPicPr>
+            <a:picLocks noChangeAspect="1"/>
+          </p:cNvPicPr>
+          <p:nvPr/>
+        </p:nvPicPr>
+        <p:blipFill>
+          <a:blip r:embed="rId3">
+            <a:extLst>
+              <a:ext uri="{28A0092B-C50C-407E-A947-70E740481C1C}">
+                <a14:useLocalDpi xmlns:a14="http://schemas.microsoft.com/office/drawing/2010/main" val="0"/>
+              </a:ext>
+            </a:extLst>
+          </a:blip>
+          <a:stretch>
+            <a:fillRect/>
+          </a:stretch>
+        </p:blipFill>
+        <p:spPr>
+          <a:xfrm>
+            <a:off x="9528800" y="2696464"/>
+            <a:ext cx="2486025" cy="1885950"/>
+          </a:xfrm>
+          <a:prstGeom prst="rect">
+            <a:avLst/>
+          </a:prstGeom>
+        </p:spPr>
+      </p:pic>
+      <p:pic>
+        <p:nvPicPr>
+          <p:cNvPr id="8" name="圖片 7"/>
+          <p:cNvPicPr>
+            <a:picLocks noChangeAspect="1"/>
+          </p:cNvPicPr>
+          <p:nvPr/>
+        </p:nvPicPr>
+        <p:blipFill>
+          <a:blip r:embed="rId4">
+            <a:extLst>
+              <a:ext uri="{28A0092B-C50C-407E-A947-70E740481C1C}">
+                <a14:useLocalDpi xmlns:a14="http://schemas.microsoft.com/office/drawing/2010/main" val="0"/>
+              </a:ext>
+            </a:extLst>
+          </a:blip>
+          <a:stretch>
+            <a:fillRect/>
+          </a:stretch>
+        </p:blipFill>
+        <p:spPr>
+          <a:xfrm>
+            <a:off x="9528453" y="3161941"/>
+            <a:ext cx="2486025" cy="1885950"/>
+          </a:xfrm>
+          <a:prstGeom prst="rect">
+            <a:avLst/>
+          </a:prstGeom>
+        </p:spPr>
+      </p:pic>
+      <p:pic>
+        <p:nvPicPr>
+          <p:cNvPr id="9" name="圖片 8"/>
+          <p:cNvPicPr>
+            <a:picLocks noChangeAspect="1"/>
+          </p:cNvPicPr>
+          <p:nvPr/>
+        </p:nvPicPr>
+        <p:blipFill>
+          <a:blip r:embed="rId5">
+            <a:extLst>
+              <a:ext uri="{28A0092B-C50C-407E-A947-70E740481C1C}">
+                <a14:useLocalDpi xmlns:a14="http://schemas.microsoft.com/office/drawing/2010/main" val="0"/>
+              </a:ext>
+            </a:extLst>
+          </a:blip>
+          <a:stretch>
+            <a:fillRect/>
+          </a:stretch>
+        </p:blipFill>
+        <p:spPr>
+          <a:xfrm>
+            <a:off x="9528453" y="3627418"/>
+            <a:ext cx="2486025" cy="1885950"/>
+          </a:xfrm>
+          <a:prstGeom prst="rect">
+            <a:avLst/>
+          </a:prstGeom>
+        </p:spPr>
+      </p:pic>
+      <p:pic>
+        <p:nvPicPr>
+          <p:cNvPr id="10" name="圖片 9"/>
+          <p:cNvPicPr>
+            <a:picLocks noChangeAspect="1"/>
+          </p:cNvPicPr>
+          <p:nvPr/>
+        </p:nvPicPr>
+        <p:blipFill>
+          <a:blip r:embed="rId6">
+            <a:extLst>
+              <a:ext uri="{28A0092B-C50C-407E-A947-70E740481C1C}">
+                <a14:useLocalDpi xmlns:a14="http://schemas.microsoft.com/office/drawing/2010/main" val="0"/>
+              </a:ext>
+            </a:extLst>
+          </a:blip>
+          <a:stretch>
+            <a:fillRect/>
+          </a:stretch>
+        </p:blipFill>
+        <p:spPr>
+          <a:xfrm>
+            <a:off x="9528453" y="4155868"/>
+            <a:ext cx="2486025" cy="1885950"/>
+          </a:xfrm>
+          <a:prstGeom prst="rect">
+            <a:avLst/>
+          </a:prstGeom>
+        </p:spPr>
+      </p:pic>
+      <p:pic>
+        <p:nvPicPr>
+          <p:cNvPr id="11" name="圖片 10"/>
+          <p:cNvPicPr>
+            <a:picLocks noChangeAspect="1"/>
+          </p:cNvPicPr>
+          <p:nvPr/>
+        </p:nvPicPr>
+        <p:blipFill>
+          <a:blip r:embed="rId7">
+            <a:extLst>
+              <a:ext uri="{28A0092B-C50C-407E-A947-70E740481C1C}">
+                <a14:useLocalDpi xmlns:a14="http://schemas.microsoft.com/office/drawing/2010/main" val="0"/>
+              </a:ext>
+            </a:extLst>
+          </a:blip>
+          <a:stretch>
+            <a:fillRect/>
+          </a:stretch>
+        </p:blipFill>
+        <p:spPr>
+          <a:xfrm>
+            <a:off x="9528106" y="4489713"/>
+            <a:ext cx="2486025" cy="1885950"/>
+          </a:xfrm>
+          <a:prstGeom prst="rect">
+            <a:avLst/>
+          </a:prstGeom>
+        </p:spPr>
+      </p:pic>
     </p:spTree>
     <p:extLst>
       <p:ext uri="{BB962C8B-B14F-4D97-AF65-F5344CB8AC3E}">
@@ -13421,7 +13782,485 @@
   <p:timing>
     <p:tnLst>
       <p:par>
-        <p:cTn id="1" dur="indefinite" restart="never" nodeType="tmRoot"/>
+        <p:cTn id="1" dur="indefinite" restart="never" nodeType="tmRoot">
+          <p:childTnLst>
+            <p:seq concurrent="1" nextAc="seek">
+              <p:cTn id="2" dur="indefinite" nodeType="mainSeq">
+                <p:childTnLst>
+                  <p:par>
+                    <p:cTn id="3" fill="hold">
+                      <p:stCondLst>
+                        <p:cond delay="indefinite"/>
+                      </p:stCondLst>
+                      <p:childTnLst>
+                        <p:par>
+                          <p:cTn id="4" fill="hold">
+                            <p:stCondLst>
+                              <p:cond delay="0"/>
+                            </p:stCondLst>
+                            <p:childTnLst>
+                              <p:par>
+                                <p:cTn id="5" presetID="2" presetClass="entr" presetSubtype="4" fill="hold" nodeType="clickEffect">
+                                  <p:stCondLst>
+                                    <p:cond delay="0"/>
+                                  </p:stCondLst>
+                                  <p:childTnLst>
+                                    <p:set>
+                                      <p:cBhvr>
+                                        <p:cTn id="6" dur="1" fill="hold">
+                                          <p:stCondLst>
+                                            <p:cond delay="0"/>
+                                          </p:stCondLst>
+                                        </p:cTn>
+                                        <p:tgtEl>
+                                          <p:spTgt spid="6"/>
+                                        </p:tgtEl>
+                                        <p:attrNameLst>
+                                          <p:attrName>style.visibility</p:attrName>
+                                        </p:attrNameLst>
+                                      </p:cBhvr>
+                                      <p:to>
+                                        <p:strVal val="visible"/>
+                                      </p:to>
+                                    </p:set>
+                                    <p:anim calcmode="lin" valueType="num">
+                                      <p:cBhvr additive="base">
+                                        <p:cTn id="7" dur="500" fill="hold"/>
+                                        <p:tgtEl>
+                                          <p:spTgt spid="6"/>
+                                        </p:tgtEl>
+                                        <p:attrNameLst>
+                                          <p:attrName>ppt_x</p:attrName>
+                                        </p:attrNameLst>
+                                      </p:cBhvr>
+                                      <p:tavLst>
+                                        <p:tav tm="0">
+                                          <p:val>
+                                            <p:strVal val="#ppt_x"/>
+                                          </p:val>
+                                        </p:tav>
+                                        <p:tav tm="100000">
+                                          <p:val>
+                                            <p:strVal val="#ppt_x"/>
+                                          </p:val>
+                                        </p:tav>
+                                      </p:tavLst>
+                                    </p:anim>
+                                    <p:anim calcmode="lin" valueType="num">
+                                      <p:cBhvr additive="base">
+                                        <p:cTn id="8" dur="500" fill="hold"/>
+                                        <p:tgtEl>
+                                          <p:spTgt spid="6"/>
+                                        </p:tgtEl>
+                                        <p:attrNameLst>
+                                          <p:attrName>ppt_y</p:attrName>
+                                        </p:attrNameLst>
+                                      </p:cBhvr>
+                                      <p:tavLst>
+                                        <p:tav tm="0">
+                                          <p:val>
+                                            <p:strVal val="1+#ppt_h/2"/>
+                                          </p:val>
+                                        </p:tav>
+                                        <p:tav tm="100000">
+                                          <p:val>
+                                            <p:strVal val="#ppt_y"/>
+                                          </p:val>
+                                        </p:tav>
+                                      </p:tavLst>
+                                    </p:anim>
+                                  </p:childTnLst>
+                                </p:cTn>
+                              </p:par>
+                            </p:childTnLst>
+                          </p:cTn>
+                        </p:par>
+                      </p:childTnLst>
+                    </p:cTn>
+                  </p:par>
+                  <p:par>
+                    <p:cTn id="9" fill="hold">
+                      <p:stCondLst>
+                        <p:cond delay="indefinite"/>
+                      </p:stCondLst>
+                      <p:childTnLst>
+                        <p:par>
+                          <p:cTn id="10" fill="hold">
+                            <p:stCondLst>
+                              <p:cond delay="0"/>
+                            </p:stCondLst>
+                            <p:childTnLst>
+                              <p:par>
+                                <p:cTn id="11" presetID="2" presetClass="entr" presetSubtype="4" fill="hold" nodeType="clickEffect">
+                                  <p:stCondLst>
+                                    <p:cond delay="0"/>
+                                  </p:stCondLst>
+                                  <p:childTnLst>
+                                    <p:set>
+                                      <p:cBhvr>
+                                        <p:cTn id="12" dur="1" fill="hold">
+                                          <p:stCondLst>
+                                            <p:cond delay="0"/>
+                                          </p:stCondLst>
+                                        </p:cTn>
+                                        <p:tgtEl>
+                                          <p:spTgt spid="8"/>
+                                        </p:tgtEl>
+                                        <p:attrNameLst>
+                                          <p:attrName>style.visibility</p:attrName>
+                                        </p:attrNameLst>
+                                      </p:cBhvr>
+                                      <p:to>
+                                        <p:strVal val="visible"/>
+                                      </p:to>
+                                    </p:set>
+                                    <p:anim calcmode="lin" valueType="num">
+                                      <p:cBhvr additive="base">
+                                        <p:cTn id="13" dur="500" fill="hold"/>
+                                        <p:tgtEl>
+                                          <p:spTgt spid="8"/>
+                                        </p:tgtEl>
+                                        <p:attrNameLst>
+                                          <p:attrName>ppt_x</p:attrName>
+                                        </p:attrNameLst>
+                                      </p:cBhvr>
+                                      <p:tavLst>
+                                        <p:tav tm="0">
+                                          <p:val>
+                                            <p:strVal val="#ppt_x"/>
+                                          </p:val>
+                                        </p:tav>
+                                        <p:tav tm="100000">
+                                          <p:val>
+                                            <p:strVal val="#ppt_x"/>
+                                          </p:val>
+                                        </p:tav>
+                                      </p:tavLst>
+                                    </p:anim>
+                                    <p:anim calcmode="lin" valueType="num">
+                                      <p:cBhvr additive="base">
+                                        <p:cTn id="14" dur="500" fill="hold"/>
+                                        <p:tgtEl>
+                                          <p:spTgt spid="8"/>
+                                        </p:tgtEl>
+                                        <p:attrNameLst>
+                                          <p:attrName>ppt_y</p:attrName>
+                                        </p:attrNameLst>
+                                      </p:cBhvr>
+                                      <p:tavLst>
+                                        <p:tav tm="0">
+                                          <p:val>
+                                            <p:strVal val="1+#ppt_h/2"/>
+                                          </p:val>
+                                        </p:tav>
+                                        <p:tav tm="100000">
+                                          <p:val>
+                                            <p:strVal val="#ppt_y"/>
+                                          </p:val>
+                                        </p:tav>
+                                      </p:tavLst>
+                                    </p:anim>
+                                  </p:childTnLst>
+                                </p:cTn>
+                              </p:par>
+                            </p:childTnLst>
+                          </p:cTn>
+                        </p:par>
+                      </p:childTnLst>
+                    </p:cTn>
+                  </p:par>
+                  <p:par>
+                    <p:cTn id="15" fill="hold">
+                      <p:stCondLst>
+                        <p:cond delay="indefinite"/>
+                      </p:stCondLst>
+                      <p:childTnLst>
+                        <p:par>
+                          <p:cTn id="16" fill="hold">
+                            <p:stCondLst>
+                              <p:cond delay="0"/>
+                            </p:stCondLst>
+                            <p:childTnLst>
+                              <p:par>
+                                <p:cTn id="17" presetID="2" presetClass="entr" presetSubtype="4" fill="hold" nodeType="clickEffect">
+                                  <p:stCondLst>
+                                    <p:cond delay="0"/>
+                                  </p:stCondLst>
+                                  <p:childTnLst>
+                                    <p:set>
+                                      <p:cBhvr>
+                                        <p:cTn id="18" dur="1" fill="hold">
+                                          <p:stCondLst>
+                                            <p:cond delay="0"/>
+                                          </p:stCondLst>
+                                        </p:cTn>
+                                        <p:tgtEl>
+                                          <p:spTgt spid="9"/>
+                                        </p:tgtEl>
+                                        <p:attrNameLst>
+                                          <p:attrName>style.visibility</p:attrName>
+                                        </p:attrNameLst>
+                                      </p:cBhvr>
+                                      <p:to>
+                                        <p:strVal val="visible"/>
+                                      </p:to>
+                                    </p:set>
+                                    <p:anim calcmode="lin" valueType="num">
+                                      <p:cBhvr additive="base">
+                                        <p:cTn id="19" dur="500" fill="hold"/>
+                                        <p:tgtEl>
+                                          <p:spTgt spid="9"/>
+                                        </p:tgtEl>
+                                        <p:attrNameLst>
+                                          <p:attrName>ppt_x</p:attrName>
+                                        </p:attrNameLst>
+                                      </p:cBhvr>
+                                      <p:tavLst>
+                                        <p:tav tm="0">
+                                          <p:val>
+                                            <p:strVal val="#ppt_x"/>
+                                          </p:val>
+                                        </p:tav>
+                                        <p:tav tm="100000">
+                                          <p:val>
+                                            <p:strVal val="#ppt_x"/>
+                                          </p:val>
+                                        </p:tav>
+                                      </p:tavLst>
+                                    </p:anim>
+                                    <p:anim calcmode="lin" valueType="num">
+                                      <p:cBhvr additive="base">
+                                        <p:cTn id="20" dur="500" fill="hold"/>
+                                        <p:tgtEl>
+                                          <p:spTgt spid="9"/>
+                                        </p:tgtEl>
+                                        <p:attrNameLst>
+                                          <p:attrName>ppt_y</p:attrName>
+                                        </p:attrNameLst>
+                                      </p:cBhvr>
+                                      <p:tavLst>
+                                        <p:tav tm="0">
+                                          <p:val>
+                                            <p:strVal val="1+#ppt_h/2"/>
+                                          </p:val>
+                                        </p:tav>
+                                        <p:tav tm="100000">
+                                          <p:val>
+                                            <p:strVal val="#ppt_y"/>
+                                          </p:val>
+                                        </p:tav>
+                                      </p:tavLst>
+                                    </p:anim>
+                                  </p:childTnLst>
+                                </p:cTn>
+                              </p:par>
+                            </p:childTnLst>
+                          </p:cTn>
+                        </p:par>
+                      </p:childTnLst>
+                    </p:cTn>
+                  </p:par>
+                  <p:par>
+                    <p:cTn id="21" fill="hold">
+                      <p:stCondLst>
+                        <p:cond delay="indefinite"/>
+                      </p:stCondLst>
+                      <p:childTnLst>
+                        <p:par>
+                          <p:cTn id="22" fill="hold">
+                            <p:stCondLst>
+                              <p:cond delay="0"/>
+                            </p:stCondLst>
+                            <p:childTnLst>
+                              <p:par>
+                                <p:cTn id="23" presetID="2" presetClass="entr" presetSubtype="4" fill="hold" nodeType="clickEffect">
+                                  <p:stCondLst>
+                                    <p:cond delay="0"/>
+                                  </p:stCondLst>
+                                  <p:childTnLst>
+                                    <p:set>
+                                      <p:cBhvr>
+                                        <p:cTn id="24" dur="1" fill="hold">
+                                          <p:stCondLst>
+                                            <p:cond delay="0"/>
+                                          </p:stCondLst>
+                                        </p:cTn>
+                                        <p:tgtEl>
+                                          <p:spTgt spid="10"/>
+                                        </p:tgtEl>
+                                        <p:attrNameLst>
+                                          <p:attrName>style.visibility</p:attrName>
+                                        </p:attrNameLst>
+                                      </p:cBhvr>
+                                      <p:to>
+                                        <p:strVal val="visible"/>
+                                      </p:to>
+                                    </p:set>
+                                    <p:anim calcmode="lin" valueType="num">
+                                      <p:cBhvr additive="base">
+                                        <p:cTn id="25" dur="500" fill="hold"/>
+                                        <p:tgtEl>
+                                          <p:spTgt spid="10"/>
+                                        </p:tgtEl>
+                                        <p:attrNameLst>
+                                          <p:attrName>ppt_x</p:attrName>
+                                        </p:attrNameLst>
+                                      </p:cBhvr>
+                                      <p:tavLst>
+                                        <p:tav tm="0">
+                                          <p:val>
+                                            <p:strVal val="#ppt_x"/>
+                                          </p:val>
+                                        </p:tav>
+                                        <p:tav tm="100000">
+                                          <p:val>
+                                            <p:strVal val="#ppt_x"/>
+                                          </p:val>
+                                        </p:tav>
+                                      </p:tavLst>
+                                    </p:anim>
+                                    <p:anim calcmode="lin" valueType="num">
+                                      <p:cBhvr additive="base">
+                                        <p:cTn id="26" dur="500" fill="hold"/>
+                                        <p:tgtEl>
+                                          <p:spTgt spid="10"/>
+                                        </p:tgtEl>
+                                        <p:attrNameLst>
+                                          <p:attrName>ppt_y</p:attrName>
+                                        </p:attrNameLst>
+                                      </p:cBhvr>
+                                      <p:tavLst>
+                                        <p:tav tm="0">
+                                          <p:val>
+                                            <p:strVal val="1+#ppt_h/2"/>
+                                          </p:val>
+                                        </p:tav>
+                                        <p:tav tm="100000">
+                                          <p:val>
+                                            <p:strVal val="#ppt_y"/>
+                                          </p:val>
+                                        </p:tav>
+                                      </p:tavLst>
+                                    </p:anim>
+                                  </p:childTnLst>
+                                </p:cTn>
+                              </p:par>
+                            </p:childTnLst>
+                          </p:cTn>
+                        </p:par>
+                      </p:childTnLst>
+                    </p:cTn>
+                  </p:par>
+                  <p:par>
+                    <p:cTn id="27" fill="hold">
+                      <p:stCondLst>
+                        <p:cond delay="indefinite"/>
+                      </p:stCondLst>
+                      <p:childTnLst>
+                        <p:par>
+                          <p:cTn id="28" fill="hold">
+                            <p:stCondLst>
+                              <p:cond delay="0"/>
+                            </p:stCondLst>
+                            <p:childTnLst>
+                              <p:par>
+                                <p:cTn id="29" presetID="2" presetClass="entr" presetSubtype="4" fill="hold" nodeType="clickEffect">
+                                  <p:stCondLst>
+                                    <p:cond delay="0"/>
+                                  </p:stCondLst>
+                                  <p:childTnLst>
+                                    <p:set>
+                                      <p:cBhvr>
+                                        <p:cTn id="30" dur="1" fill="hold">
+                                          <p:stCondLst>
+                                            <p:cond delay="0"/>
+                                          </p:stCondLst>
+                                        </p:cTn>
+                                        <p:tgtEl>
+                                          <p:spTgt spid="11"/>
+                                        </p:tgtEl>
+                                        <p:attrNameLst>
+                                          <p:attrName>style.visibility</p:attrName>
+                                        </p:attrNameLst>
+                                      </p:cBhvr>
+                                      <p:to>
+                                        <p:strVal val="visible"/>
+                                      </p:to>
+                                    </p:set>
+                                    <p:anim calcmode="lin" valueType="num">
+                                      <p:cBhvr additive="base">
+                                        <p:cTn id="31" dur="500" fill="hold"/>
+                                        <p:tgtEl>
+                                          <p:spTgt spid="11"/>
+                                        </p:tgtEl>
+                                        <p:attrNameLst>
+                                          <p:attrName>ppt_x</p:attrName>
+                                        </p:attrNameLst>
+                                      </p:cBhvr>
+                                      <p:tavLst>
+                                        <p:tav tm="0">
+                                          <p:val>
+                                            <p:strVal val="#ppt_x"/>
+                                          </p:val>
+                                        </p:tav>
+                                        <p:tav tm="100000">
+                                          <p:val>
+                                            <p:strVal val="#ppt_x"/>
+                                          </p:val>
+                                        </p:tav>
+                                      </p:tavLst>
+                                    </p:anim>
+                                    <p:anim calcmode="lin" valueType="num">
+                                      <p:cBhvr additive="base">
+                                        <p:cTn id="32" dur="500" fill="hold"/>
+                                        <p:tgtEl>
+                                          <p:spTgt spid="11"/>
+                                        </p:tgtEl>
+                                        <p:attrNameLst>
+                                          <p:attrName>ppt_y</p:attrName>
+                                        </p:attrNameLst>
+                                      </p:cBhvr>
+                                      <p:tavLst>
+                                        <p:tav tm="0">
+                                          <p:val>
+                                            <p:strVal val="1+#ppt_h/2"/>
+                                          </p:val>
+                                        </p:tav>
+                                        <p:tav tm="100000">
+                                          <p:val>
+                                            <p:strVal val="#ppt_y"/>
+                                          </p:val>
+                                        </p:tav>
+                                      </p:tavLst>
+                                    </p:anim>
+                                  </p:childTnLst>
+                                </p:cTn>
+                              </p:par>
+                            </p:childTnLst>
+                          </p:cTn>
+                        </p:par>
+                      </p:childTnLst>
+                    </p:cTn>
+                  </p:par>
+                </p:childTnLst>
+              </p:cTn>
+              <p:prevCondLst>
+                <p:cond evt="onPrev" delay="0">
+                  <p:tgtEl>
+                    <p:sldTgt/>
+                  </p:tgtEl>
+                </p:cond>
+              </p:prevCondLst>
+              <p:nextCondLst>
+                <p:cond evt="onNext" delay="0">
+                  <p:tgtEl>
+                    <p:sldTgt/>
+                  </p:tgtEl>
+                </p:cond>
+              </p:nextCondLst>
+            </p:seq>
+          </p:childTnLst>
+        </p:cTn>
       </p:par>
     </p:tnLst>
   </p:timing>
@@ -13429,6 +14268,765 @@
 </file>
 
 <file path=ppt/slides/slide6.xml><?xml version="1.0" encoding="utf-8"?>
+<p:sld xmlns:a="http://schemas.openxmlformats.org/drawingml/2006/main" xmlns:r="http://schemas.openxmlformats.org/officeDocument/2006/relationships" xmlns:p="http://schemas.openxmlformats.org/presentationml/2006/main">
+  <p:cSld>
+    <p:spTree>
+      <p:nvGrpSpPr>
+        <p:cNvPr id="1" name=""/>
+        <p:cNvGrpSpPr/>
+        <p:nvPr/>
+      </p:nvGrpSpPr>
+      <p:grpSpPr>
+        <a:xfrm>
+          <a:off x="0" y="0"/>
+          <a:ext cx="0" cy="0"/>
+          <a:chOff x="0" y="0"/>
+          <a:chExt cx="0" cy="0"/>
+        </a:xfrm>
+      </p:grpSpPr>
+      <p:sp>
+        <p:nvSpPr>
+          <p:cNvPr id="2" name="標題 1"/>
+          <p:cNvSpPr>
+            <a:spLocks noGrp="1"/>
+          </p:cNvSpPr>
+          <p:nvPr>
+            <p:ph type="title"/>
+          </p:nvPr>
+        </p:nvSpPr>
+        <p:spPr/>
+        <p:txBody>
+          <a:bodyPr/>
+          <a:lstStyle/>
+          <a:p>
+            <a:r>
+              <a:rPr lang="en-US" altLang="zh-TW" dirty="0"/>
+              <a:t>3. </a:t>
+            </a:r>
+            <a:r>
+              <a:rPr lang="en-US" altLang="zh-TW" dirty="0" smtClean="0"/>
+              <a:t>Algorithm (cont.)</a:t>
+            </a:r>
+            <a:endParaRPr lang="zh-TW" altLang="en-US" dirty="0"/>
+          </a:p>
+        </p:txBody>
+      </p:sp>
+      <p:sp>
+        <p:nvSpPr>
+          <p:cNvPr id="3" name="內容版面配置區 2"/>
+          <p:cNvSpPr>
+            <a:spLocks noGrp="1"/>
+          </p:cNvSpPr>
+          <p:nvPr>
+            <p:ph idx="1"/>
+          </p:nvPr>
+        </p:nvSpPr>
+        <p:spPr/>
+        <p:txBody>
+          <a:bodyPr>
+            <a:normAutofit/>
+          </a:bodyPr>
+          <a:lstStyle/>
+          <a:p>
+            <a:pPr marL="457200" indent="-457200">
+              <a:buFont typeface="+mj-lt"/>
+              <a:buAutoNum type="arabicPeriod" startAt="6"/>
+            </a:pPr>
+            <a:r>
+              <a:rPr lang="en-US" altLang="zh-TW" sz="2400" dirty="0" smtClean="0"/>
+              <a:t>Set </a:t>
+            </a:r>
+            <a:r>
+              <a:rPr lang="en-US" altLang="zh-TW" sz="2400" dirty="0"/>
+              <a:t>0 for not </a:t>
+            </a:r>
+            <a:r>
+              <a:rPr lang="en-US" altLang="zh-TW" sz="2400" dirty="0" smtClean="0"/>
+              <a:t>main object part, set 255 for others.</a:t>
+            </a:r>
+          </a:p>
+          <a:p>
+            <a:pPr marL="457200" indent="-457200">
+              <a:buFont typeface="+mj-lt"/>
+              <a:buAutoNum type="arabicPeriod" startAt="6"/>
+            </a:pPr>
+            <a:r>
+              <a:rPr lang="en-US" altLang="zh-TW" sz="2400" dirty="0" smtClean="0"/>
+              <a:t>Dilate </a:t>
+            </a:r>
+            <a:r>
+              <a:rPr lang="en-US" altLang="zh-TW" sz="2400" dirty="0"/>
+              <a:t>object </a:t>
+            </a:r>
+            <a:r>
+              <a:rPr lang="en-US" altLang="zh-TW" sz="2400" dirty="0" smtClean="0"/>
+              <a:t>again </a:t>
+            </a:r>
+            <a:r>
+              <a:rPr lang="en-US" altLang="zh-TW" sz="2400" dirty="0"/>
+              <a:t>to cover </a:t>
+            </a:r>
+            <a:r>
+              <a:rPr lang="en-US" altLang="zh-TW" sz="2400" dirty="0" smtClean="0"/>
+              <a:t>edge, now we get</a:t>
+            </a:r>
+            <a:br>
+              <a:rPr lang="en-US" altLang="zh-TW" sz="2400" dirty="0" smtClean="0"/>
+            </a:br>
+            <a:r>
+              <a:rPr lang="en-US" altLang="zh-TW" sz="2400" dirty="0" smtClean="0"/>
+              <a:t>object map.</a:t>
+            </a:r>
+            <a:endParaRPr lang="en-US" altLang="zh-TW" sz="2400" dirty="0"/>
+          </a:p>
+          <a:p>
+            <a:pPr marL="457200" indent="-457200">
+              <a:buFont typeface="+mj-lt"/>
+              <a:buAutoNum type="arabicPeriod" startAt="6"/>
+            </a:pPr>
+            <a:r>
+              <a:rPr lang="en-US" altLang="zh-TW" sz="2400" dirty="0" smtClean="0"/>
+              <a:t>Use </a:t>
+            </a:r>
+            <a:r>
+              <a:rPr lang="en-US" altLang="zh-TW" sz="2400" dirty="0"/>
+              <a:t>object map to extract object from test </a:t>
+            </a:r>
+            <a:r>
+              <a:rPr lang="en-US" altLang="zh-TW" sz="2400" dirty="0" smtClean="0"/>
+              <a:t>image.</a:t>
+            </a:r>
+          </a:p>
+          <a:p>
+            <a:pPr marL="457200" indent="-457200">
+              <a:buFont typeface="+mj-lt"/>
+              <a:buAutoNum type="arabicPeriod" startAt="6"/>
+            </a:pPr>
+            <a:r>
+              <a:rPr lang="en-US" altLang="zh-TW" sz="2400" dirty="0" smtClean="0"/>
+              <a:t>Finally, paste object to background image.</a:t>
+            </a:r>
+            <a:endParaRPr lang="en-US" altLang="zh-TW" sz="2400" dirty="0"/>
+          </a:p>
+          <a:p>
+            <a:pPr marL="457200" indent="-457200">
+              <a:buFont typeface="+mj-lt"/>
+              <a:buAutoNum type="arabicPeriod" startAt="6"/>
+            </a:pPr>
+            <a:endParaRPr lang="zh-TW" altLang="en-US" sz="2400" dirty="0"/>
+          </a:p>
+        </p:txBody>
+      </p:sp>
+      <p:sp>
+        <p:nvSpPr>
+          <p:cNvPr id="4" name="投影片編號版面配置區 3"/>
+          <p:cNvSpPr>
+            <a:spLocks noGrp="1"/>
+          </p:cNvSpPr>
+          <p:nvPr>
+            <p:ph type="sldNum" sz="quarter" idx="12"/>
+          </p:nvPr>
+        </p:nvSpPr>
+        <p:spPr/>
+        <p:txBody>
+          <a:bodyPr/>
+          <a:lstStyle/>
+          <a:p>
+            <a:fld id="{9FA8F160-31A3-4C27-8BB1-42994E7552FC}" type="slidenum">
+              <a:rPr lang="zh-TW" altLang="en-US" smtClean="0"/>
+              <a:t>6</a:t>
+            </a:fld>
+            <a:endParaRPr lang="zh-TW" altLang="en-US"/>
+          </a:p>
+        </p:txBody>
+      </p:sp>
+      <p:pic>
+        <p:nvPicPr>
+          <p:cNvPr id="7" name="圖片 6"/>
+          <p:cNvPicPr>
+            <a:picLocks noChangeAspect="1"/>
+          </p:cNvPicPr>
+          <p:nvPr/>
+        </p:nvPicPr>
+        <p:blipFill>
+          <a:blip r:embed="rId2">
+            <a:extLst>
+              <a:ext uri="{28A0092B-C50C-407E-A947-70E740481C1C}">
+                <a14:useLocalDpi xmlns:a14="http://schemas.microsoft.com/office/drawing/2010/main" val="0"/>
+              </a:ext>
+            </a:extLst>
+          </a:blip>
+          <a:stretch>
+            <a:fillRect/>
+          </a:stretch>
+        </p:blipFill>
+        <p:spPr>
+          <a:xfrm>
+            <a:off x="9528453" y="2138023"/>
+            <a:ext cx="2486372" cy="1886213"/>
+          </a:xfrm>
+          <a:prstGeom prst="rect">
+            <a:avLst/>
+          </a:prstGeom>
+        </p:spPr>
+      </p:pic>
+      <p:pic>
+        <p:nvPicPr>
+          <p:cNvPr id="6" name="圖片 5"/>
+          <p:cNvPicPr>
+            <a:picLocks noChangeAspect="1"/>
+          </p:cNvPicPr>
+          <p:nvPr/>
+        </p:nvPicPr>
+        <p:blipFill>
+          <a:blip r:embed="rId3">
+            <a:extLst>
+              <a:ext uri="{28A0092B-C50C-407E-A947-70E740481C1C}">
+                <a14:useLocalDpi xmlns:a14="http://schemas.microsoft.com/office/drawing/2010/main" val="0"/>
+              </a:ext>
+            </a:extLst>
+          </a:blip>
+          <a:stretch>
+            <a:fillRect/>
+          </a:stretch>
+        </p:blipFill>
+        <p:spPr>
+          <a:xfrm>
+            <a:off x="9528800" y="2696464"/>
+            <a:ext cx="2486025" cy="1885950"/>
+          </a:xfrm>
+          <a:prstGeom prst="rect">
+            <a:avLst/>
+          </a:prstGeom>
+        </p:spPr>
+      </p:pic>
+      <p:pic>
+        <p:nvPicPr>
+          <p:cNvPr id="8" name="圖片 7"/>
+          <p:cNvPicPr>
+            <a:picLocks noChangeAspect="1"/>
+          </p:cNvPicPr>
+          <p:nvPr/>
+        </p:nvPicPr>
+        <p:blipFill>
+          <a:blip r:embed="rId4">
+            <a:extLst>
+              <a:ext uri="{28A0092B-C50C-407E-A947-70E740481C1C}">
+                <a14:useLocalDpi xmlns:a14="http://schemas.microsoft.com/office/drawing/2010/main" val="0"/>
+              </a:ext>
+            </a:extLst>
+          </a:blip>
+          <a:stretch>
+            <a:fillRect/>
+          </a:stretch>
+        </p:blipFill>
+        <p:spPr>
+          <a:xfrm>
+            <a:off x="9528453" y="3161941"/>
+            <a:ext cx="2486025" cy="1885950"/>
+          </a:xfrm>
+          <a:prstGeom prst="rect">
+            <a:avLst/>
+          </a:prstGeom>
+        </p:spPr>
+      </p:pic>
+      <p:pic>
+        <p:nvPicPr>
+          <p:cNvPr id="9" name="圖片 8"/>
+          <p:cNvPicPr>
+            <a:picLocks noChangeAspect="1"/>
+          </p:cNvPicPr>
+          <p:nvPr/>
+        </p:nvPicPr>
+        <p:blipFill>
+          <a:blip r:embed="rId5">
+            <a:extLst>
+              <a:ext uri="{28A0092B-C50C-407E-A947-70E740481C1C}">
+                <a14:useLocalDpi xmlns:a14="http://schemas.microsoft.com/office/drawing/2010/main" val="0"/>
+              </a:ext>
+            </a:extLst>
+          </a:blip>
+          <a:stretch>
+            <a:fillRect/>
+          </a:stretch>
+        </p:blipFill>
+        <p:spPr>
+          <a:xfrm>
+            <a:off x="9528453" y="3627418"/>
+            <a:ext cx="2486025" cy="1885950"/>
+          </a:xfrm>
+          <a:prstGeom prst="rect">
+            <a:avLst/>
+          </a:prstGeom>
+        </p:spPr>
+      </p:pic>
+      <p:pic>
+        <p:nvPicPr>
+          <p:cNvPr id="10" name="圖片 9"/>
+          <p:cNvPicPr>
+            <a:picLocks noChangeAspect="1"/>
+          </p:cNvPicPr>
+          <p:nvPr/>
+        </p:nvPicPr>
+        <p:blipFill>
+          <a:blip r:embed="rId6">
+            <a:extLst>
+              <a:ext uri="{28A0092B-C50C-407E-A947-70E740481C1C}">
+                <a14:useLocalDpi xmlns:a14="http://schemas.microsoft.com/office/drawing/2010/main" val="0"/>
+              </a:ext>
+            </a:extLst>
+          </a:blip>
+          <a:stretch>
+            <a:fillRect/>
+          </a:stretch>
+        </p:blipFill>
+        <p:spPr>
+          <a:xfrm>
+            <a:off x="9528453" y="4155868"/>
+            <a:ext cx="2486025" cy="1885950"/>
+          </a:xfrm>
+          <a:prstGeom prst="rect">
+            <a:avLst/>
+          </a:prstGeom>
+        </p:spPr>
+      </p:pic>
+      <p:pic>
+        <p:nvPicPr>
+          <p:cNvPr id="11" name="圖片 10"/>
+          <p:cNvPicPr>
+            <a:picLocks noChangeAspect="1"/>
+          </p:cNvPicPr>
+          <p:nvPr/>
+        </p:nvPicPr>
+        <p:blipFill>
+          <a:blip r:embed="rId7">
+            <a:extLst>
+              <a:ext uri="{28A0092B-C50C-407E-A947-70E740481C1C}">
+                <a14:useLocalDpi xmlns:a14="http://schemas.microsoft.com/office/drawing/2010/main" val="0"/>
+              </a:ext>
+            </a:extLst>
+          </a:blip>
+          <a:stretch>
+            <a:fillRect/>
+          </a:stretch>
+        </p:blipFill>
+        <p:spPr>
+          <a:xfrm>
+            <a:off x="9528106" y="4489713"/>
+            <a:ext cx="2486025" cy="1885950"/>
+          </a:xfrm>
+          <a:prstGeom prst="rect">
+            <a:avLst/>
+          </a:prstGeom>
+        </p:spPr>
+      </p:pic>
+      <p:pic>
+        <p:nvPicPr>
+          <p:cNvPr id="12" name="圖片 11"/>
+          <p:cNvPicPr>
+            <a:picLocks noChangeAspect="1"/>
+          </p:cNvPicPr>
+          <p:nvPr/>
+        </p:nvPicPr>
+        <p:blipFill>
+          <a:blip r:embed="rId8">
+            <a:extLst>
+              <a:ext uri="{28A0092B-C50C-407E-A947-70E740481C1C}">
+                <a14:useLocalDpi xmlns:a14="http://schemas.microsoft.com/office/drawing/2010/main" val="0"/>
+              </a:ext>
+            </a:extLst>
+          </a:blip>
+          <a:stretch>
+            <a:fillRect/>
+          </a:stretch>
+        </p:blipFill>
+        <p:spPr>
+          <a:xfrm>
+            <a:off x="9527759" y="4155868"/>
+            <a:ext cx="2486025" cy="1885950"/>
+          </a:xfrm>
+          <a:prstGeom prst="rect">
+            <a:avLst/>
+          </a:prstGeom>
+        </p:spPr>
+      </p:pic>
+      <p:pic>
+        <p:nvPicPr>
+          <p:cNvPr id="5" name="圖片 4"/>
+          <p:cNvPicPr>
+            <a:picLocks noChangeAspect="1"/>
+          </p:cNvPicPr>
+          <p:nvPr/>
+        </p:nvPicPr>
+        <p:blipFill>
+          <a:blip r:embed="rId9">
+            <a:extLst>
+              <a:ext uri="{28A0092B-C50C-407E-A947-70E740481C1C}">
+                <a14:useLocalDpi xmlns:a14="http://schemas.microsoft.com/office/drawing/2010/main" val="0"/>
+              </a:ext>
+            </a:extLst>
+          </a:blip>
+          <a:stretch>
+            <a:fillRect/>
+          </a:stretch>
+        </p:blipFill>
+        <p:spPr>
+          <a:xfrm>
+            <a:off x="9527065" y="3619331"/>
+            <a:ext cx="2486025" cy="1885950"/>
+          </a:xfrm>
+          <a:prstGeom prst="rect">
+            <a:avLst/>
+          </a:prstGeom>
+        </p:spPr>
+      </p:pic>
+      <p:pic>
+        <p:nvPicPr>
+          <p:cNvPr id="13" name="圖片 12"/>
+          <p:cNvPicPr>
+            <a:picLocks noChangeAspect="1"/>
+          </p:cNvPicPr>
+          <p:nvPr/>
+        </p:nvPicPr>
+        <p:blipFill>
+          <a:blip r:embed="rId10">
+            <a:extLst>
+              <a:ext uri="{28A0092B-C50C-407E-A947-70E740481C1C}">
+                <a14:useLocalDpi xmlns:a14="http://schemas.microsoft.com/office/drawing/2010/main" val="0"/>
+              </a:ext>
+            </a:extLst>
+          </a:blip>
+          <a:stretch>
+            <a:fillRect/>
+          </a:stretch>
+        </p:blipFill>
+        <p:spPr>
+          <a:xfrm>
+            <a:off x="9525677" y="3172950"/>
+            <a:ext cx="2486025" cy="1885950"/>
+          </a:xfrm>
+          <a:prstGeom prst="rect">
+            <a:avLst/>
+          </a:prstGeom>
+        </p:spPr>
+      </p:pic>
+    </p:spTree>
+    <p:extLst>
+      <p:ext uri="{BB962C8B-B14F-4D97-AF65-F5344CB8AC3E}">
+        <p14:creationId xmlns:p14="http://schemas.microsoft.com/office/powerpoint/2010/main" val="2590910131"/>
+      </p:ext>
+    </p:extLst>
+  </p:cSld>
+  <p:clrMapOvr>
+    <a:masterClrMapping/>
+  </p:clrMapOvr>
+  <p:timing>
+    <p:tnLst>
+      <p:par>
+        <p:cTn id="1" dur="indefinite" restart="never" nodeType="tmRoot">
+          <p:childTnLst>
+            <p:seq concurrent="1" nextAc="seek">
+              <p:cTn id="2" dur="indefinite" nodeType="mainSeq">
+                <p:childTnLst>
+                  <p:par>
+                    <p:cTn id="3" fill="hold">
+                      <p:stCondLst>
+                        <p:cond delay="indefinite"/>
+                      </p:stCondLst>
+                      <p:childTnLst>
+                        <p:par>
+                          <p:cTn id="4" fill="hold">
+                            <p:stCondLst>
+                              <p:cond delay="0"/>
+                            </p:stCondLst>
+                            <p:childTnLst>
+                              <p:par>
+                                <p:cTn id="5" presetID="2" presetClass="entr" presetSubtype="4" fill="hold" nodeType="clickEffect">
+                                  <p:stCondLst>
+                                    <p:cond delay="0"/>
+                                  </p:stCondLst>
+                                  <p:childTnLst>
+                                    <p:set>
+                                      <p:cBhvr>
+                                        <p:cTn id="6" dur="1" fill="hold">
+                                          <p:stCondLst>
+                                            <p:cond delay="0"/>
+                                          </p:stCondLst>
+                                        </p:cTn>
+                                        <p:tgtEl>
+                                          <p:spTgt spid="12"/>
+                                        </p:tgtEl>
+                                        <p:attrNameLst>
+                                          <p:attrName>style.visibility</p:attrName>
+                                        </p:attrNameLst>
+                                      </p:cBhvr>
+                                      <p:to>
+                                        <p:strVal val="visible"/>
+                                      </p:to>
+                                    </p:set>
+                                    <p:anim calcmode="lin" valueType="num">
+                                      <p:cBhvr additive="base">
+                                        <p:cTn id="7" dur="500" fill="hold"/>
+                                        <p:tgtEl>
+                                          <p:spTgt spid="12"/>
+                                        </p:tgtEl>
+                                        <p:attrNameLst>
+                                          <p:attrName>ppt_x</p:attrName>
+                                        </p:attrNameLst>
+                                      </p:cBhvr>
+                                      <p:tavLst>
+                                        <p:tav tm="0">
+                                          <p:val>
+                                            <p:strVal val="#ppt_x"/>
+                                          </p:val>
+                                        </p:tav>
+                                        <p:tav tm="100000">
+                                          <p:val>
+                                            <p:strVal val="#ppt_x"/>
+                                          </p:val>
+                                        </p:tav>
+                                      </p:tavLst>
+                                    </p:anim>
+                                    <p:anim calcmode="lin" valueType="num">
+                                      <p:cBhvr additive="base">
+                                        <p:cTn id="8" dur="500" fill="hold"/>
+                                        <p:tgtEl>
+                                          <p:spTgt spid="12"/>
+                                        </p:tgtEl>
+                                        <p:attrNameLst>
+                                          <p:attrName>ppt_y</p:attrName>
+                                        </p:attrNameLst>
+                                      </p:cBhvr>
+                                      <p:tavLst>
+                                        <p:tav tm="0">
+                                          <p:val>
+                                            <p:strVal val="1+#ppt_h/2"/>
+                                          </p:val>
+                                        </p:tav>
+                                        <p:tav tm="100000">
+                                          <p:val>
+                                            <p:strVal val="#ppt_y"/>
+                                          </p:val>
+                                        </p:tav>
+                                      </p:tavLst>
+                                    </p:anim>
+                                  </p:childTnLst>
+                                </p:cTn>
+                              </p:par>
+                            </p:childTnLst>
+                          </p:cTn>
+                        </p:par>
+                      </p:childTnLst>
+                    </p:cTn>
+                  </p:par>
+                  <p:par>
+                    <p:cTn id="9" fill="hold">
+                      <p:stCondLst>
+                        <p:cond delay="indefinite"/>
+                      </p:stCondLst>
+                      <p:childTnLst>
+                        <p:par>
+                          <p:cTn id="10" fill="hold">
+                            <p:stCondLst>
+                              <p:cond delay="0"/>
+                            </p:stCondLst>
+                            <p:childTnLst>
+                              <p:par>
+                                <p:cTn id="11" presetID="2" presetClass="entr" presetSubtype="4" fill="hold" nodeType="clickEffect">
+                                  <p:stCondLst>
+                                    <p:cond delay="0"/>
+                                  </p:stCondLst>
+                                  <p:childTnLst>
+                                    <p:set>
+                                      <p:cBhvr>
+                                        <p:cTn id="12" dur="1" fill="hold">
+                                          <p:stCondLst>
+                                            <p:cond delay="0"/>
+                                          </p:stCondLst>
+                                        </p:cTn>
+                                        <p:tgtEl>
+                                          <p:spTgt spid="5"/>
+                                        </p:tgtEl>
+                                        <p:attrNameLst>
+                                          <p:attrName>style.visibility</p:attrName>
+                                        </p:attrNameLst>
+                                      </p:cBhvr>
+                                      <p:to>
+                                        <p:strVal val="visible"/>
+                                      </p:to>
+                                    </p:set>
+                                    <p:anim calcmode="lin" valueType="num">
+                                      <p:cBhvr additive="base">
+                                        <p:cTn id="13" dur="500" fill="hold"/>
+                                        <p:tgtEl>
+                                          <p:spTgt spid="5"/>
+                                        </p:tgtEl>
+                                        <p:attrNameLst>
+                                          <p:attrName>ppt_x</p:attrName>
+                                        </p:attrNameLst>
+                                      </p:cBhvr>
+                                      <p:tavLst>
+                                        <p:tav tm="0">
+                                          <p:val>
+                                            <p:strVal val="#ppt_x"/>
+                                          </p:val>
+                                        </p:tav>
+                                        <p:tav tm="100000">
+                                          <p:val>
+                                            <p:strVal val="#ppt_x"/>
+                                          </p:val>
+                                        </p:tav>
+                                      </p:tavLst>
+                                    </p:anim>
+                                    <p:anim calcmode="lin" valueType="num">
+                                      <p:cBhvr additive="base">
+                                        <p:cTn id="14" dur="500" fill="hold"/>
+                                        <p:tgtEl>
+                                          <p:spTgt spid="5"/>
+                                        </p:tgtEl>
+                                        <p:attrNameLst>
+                                          <p:attrName>ppt_y</p:attrName>
+                                        </p:attrNameLst>
+                                      </p:cBhvr>
+                                      <p:tavLst>
+                                        <p:tav tm="0">
+                                          <p:val>
+                                            <p:strVal val="1+#ppt_h/2"/>
+                                          </p:val>
+                                        </p:tav>
+                                        <p:tav tm="100000">
+                                          <p:val>
+                                            <p:strVal val="#ppt_y"/>
+                                          </p:val>
+                                        </p:tav>
+                                      </p:tavLst>
+                                    </p:anim>
+                                  </p:childTnLst>
+                                </p:cTn>
+                              </p:par>
+                            </p:childTnLst>
+                          </p:cTn>
+                        </p:par>
+                      </p:childTnLst>
+                    </p:cTn>
+                  </p:par>
+                  <p:par>
+                    <p:cTn id="15" fill="hold">
+                      <p:stCondLst>
+                        <p:cond delay="indefinite"/>
+                      </p:stCondLst>
+                      <p:childTnLst>
+                        <p:par>
+                          <p:cTn id="16" fill="hold">
+                            <p:stCondLst>
+                              <p:cond delay="0"/>
+                            </p:stCondLst>
+                            <p:childTnLst>
+                              <p:par>
+                                <p:cTn id="17" presetID="2" presetClass="entr" presetSubtype="4" fill="hold" nodeType="clickEffect">
+                                  <p:stCondLst>
+                                    <p:cond delay="0"/>
+                                  </p:stCondLst>
+                                  <p:childTnLst>
+                                    <p:set>
+                                      <p:cBhvr>
+                                        <p:cTn id="18" dur="1" fill="hold">
+                                          <p:stCondLst>
+                                            <p:cond delay="0"/>
+                                          </p:stCondLst>
+                                        </p:cTn>
+                                        <p:tgtEl>
+                                          <p:spTgt spid="13"/>
+                                        </p:tgtEl>
+                                        <p:attrNameLst>
+                                          <p:attrName>style.visibility</p:attrName>
+                                        </p:attrNameLst>
+                                      </p:cBhvr>
+                                      <p:to>
+                                        <p:strVal val="visible"/>
+                                      </p:to>
+                                    </p:set>
+                                    <p:anim calcmode="lin" valueType="num">
+                                      <p:cBhvr additive="base">
+                                        <p:cTn id="19" dur="500" fill="hold"/>
+                                        <p:tgtEl>
+                                          <p:spTgt spid="13"/>
+                                        </p:tgtEl>
+                                        <p:attrNameLst>
+                                          <p:attrName>ppt_x</p:attrName>
+                                        </p:attrNameLst>
+                                      </p:cBhvr>
+                                      <p:tavLst>
+                                        <p:tav tm="0">
+                                          <p:val>
+                                            <p:strVal val="#ppt_x"/>
+                                          </p:val>
+                                        </p:tav>
+                                        <p:tav tm="100000">
+                                          <p:val>
+                                            <p:strVal val="#ppt_x"/>
+                                          </p:val>
+                                        </p:tav>
+                                      </p:tavLst>
+                                    </p:anim>
+                                    <p:anim calcmode="lin" valueType="num">
+                                      <p:cBhvr additive="base">
+                                        <p:cTn id="20" dur="500" fill="hold"/>
+                                        <p:tgtEl>
+                                          <p:spTgt spid="13"/>
+                                        </p:tgtEl>
+                                        <p:attrNameLst>
+                                          <p:attrName>ppt_y</p:attrName>
+                                        </p:attrNameLst>
+                                      </p:cBhvr>
+                                      <p:tavLst>
+                                        <p:tav tm="0">
+                                          <p:val>
+                                            <p:strVal val="1+#ppt_h/2"/>
+                                          </p:val>
+                                        </p:tav>
+                                        <p:tav tm="100000">
+                                          <p:val>
+                                            <p:strVal val="#ppt_y"/>
+                                          </p:val>
+                                        </p:tav>
+                                      </p:tavLst>
+                                    </p:anim>
+                                  </p:childTnLst>
+                                </p:cTn>
+                              </p:par>
+                            </p:childTnLst>
+                          </p:cTn>
+                        </p:par>
+                      </p:childTnLst>
+                    </p:cTn>
+                  </p:par>
+                </p:childTnLst>
+              </p:cTn>
+              <p:prevCondLst>
+                <p:cond evt="onPrev" delay="0">
+                  <p:tgtEl>
+                    <p:sldTgt/>
+                  </p:tgtEl>
+                </p:cond>
+              </p:prevCondLst>
+              <p:nextCondLst>
+                <p:cond evt="onNext" delay="0">
+                  <p:tgtEl>
+                    <p:sldTgt/>
+                  </p:tgtEl>
+                </p:cond>
+              </p:nextCondLst>
+            </p:seq>
+          </p:childTnLst>
+        </p:cTn>
+      </p:par>
+    </p:tnLst>
+  </p:timing>
+</p:sld>
+</file>
+
+<file path=ppt/slides/slide7.xml><?xml version="1.0" encoding="utf-8"?>
 <p:sld xmlns:a="http://schemas.openxmlformats.org/drawingml/2006/main" xmlns:r="http://schemas.openxmlformats.org/officeDocument/2006/relationships" xmlns:p="http://schemas.openxmlformats.org/presentationml/2006/main">
   <p:cSld>
     <p:spTree>
@@ -13518,7 +15116,7 @@
           <a:p>
             <a:fld id="{9FA8F160-31A3-4C27-8BB1-42994E7552FC}" type="slidenum">
               <a:rPr lang="zh-TW" altLang="en-US" smtClean="0"/>
-              <a:t>6</a:t>
+              <a:t>7</a:t>
             </a:fld>
             <a:endParaRPr lang="zh-TW" altLang="en-US"/>
           </a:p>
@@ -13807,7 +15405,7 @@
 </p:sld>
 </file>
 
-<file path=ppt/slides/slide7.xml><?xml version="1.0" encoding="utf-8"?>
+<file path=ppt/slides/slide8.xml><?xml version="1.0" encoding="utf-8"?>
 <p:sld xmlns:a="http://schemas.openxmlformats.org/drawingml/2006/main" xmlns:r="http://schemas.openxmlformats.org/officeDocument/2006/relationships" xmlns:p="http://schemas.openxmlformats.org/presentationml/2006/main">
   <p:cSld>
     <p:spTree>
@@ -13847,6 +15445,22 @@
               <a:rPr lang="en-US" altLang="zh-TW" dirty="0" smtClean="0"/>
               <a:t>Conclusion</a:t>
             </a:r>
+            <a:r>
+              <a:rPr lang="zh-TW" altLang="en-US" dirty="0" smtClean="0"/>
+              <a:t> </a:t>
+            </a:r>
+            <a:r>
+              <a:rPr lang="en-US" altLang="zh-TW" dirty="0" smtClean="0"/>
+              <a:t>and Future</a:t>
+            </a:r>
+            <a:r>
+              <a:rPr lang="zh-TW" altLang="en-US" dirty="0" smtClean="0"/>
+              <a:t> </a:t>
+            </a:r>
+            <a:r>
+              <a:rPr lang="en-US" altLang="zh-TW" dirty="0" smtClean="0"/>
+              <a:t>Work</a:t>
+            </a:r>
             <a:endParaRPr lang="zh-TW" altLang="en-US" dirty="0"/>
           </a:p>
         </p:txBody>
@@ -13868,6 +15482,82 @@
           </a:bodyPr>
           <a:lstStyle/>
           <a:p>
+            <a:r>
+              <a:rPr lang="en-US" altLang="zh-TW" sz="2400" dirty="0"/>
+              <a:t>In this work, we implement the </a:t>
+            </a:r>
+            <a:r>
+              <a:rPr lang="en-US" altLang="zh-TW" sz="2400" dirty="0" smtClean="0"/>
+              <a:t>edge detection, </a:t>
+            </a:r>
+            <a:r>
+              <a:rPr lang="en-US" altLang="zh-TW" sz="2400" dirty="0"/>
+              <a:t>and morphological </a:t>
+            </a:r>
+            <a:r>
+              <a:rPr lang="en-US" altLang="zh-TW" sz="2400" dirty="0" smtClean="0"/>
+              <a:t>algorithms to get a cloning image.</a:t>
+            </a:r>
+          </a:p>
+          <a:p>
+            <a:r>
+              <a:rPr lang="en-US" altLang="zh-TW" sz="2400" dirty="0" smtClean="0"/>
+              <a:t>We</a:t>
+            </a:r>
+            <a:r>
+              <a:rPr lang="zh-TW" altLang="en-US" sz="2400" dirty="0" smtClean="0"/>
+              <a:t> </a:t>
+            </a:r>
+            <a:r>
+              <a:rPr lang="en-US" altLang="zh-TW" sz="2400" dirty="0" smtClean="0"/>
+              <a:t>also </a:t>
+            </a:r>
+            <a:r>
+              <a:rPr lang="en-US" altLang="zh-TW" sz="2400" dirty="0"/>
+              <a:t>have the experiment discussion on each implemented algorithms</a:t>
+            </a:r>
+            <a:r>
+              <a:rPr lang="en-US" altLang="zh-TW" sz="2400" dirty="0" smtClean="0"/>
+              <a:t>.</a:t>
+            </a:r>
+          </a:p>
+          <a:p>
+            <a:r>
+              <a:rPr lang="en-US" altLang="zh-TW" sz="2400" dirty="0"/>
+              <a:t>In the </a:t>
+            </a:r>
+            <a:r>
+              <a:rPr lang="en-US" altLang="zh-TW" sz="2400" dirty="0" smtClean="0"/>
+              <a:t>future, </a:t>
+            </a:r>
+            <a:r>
+              <a:rPr lang="en-US" altLang="zh-TW" sz="2400" dirty="0"/>
+              <a:t>we hope to </a:t>
+            </a:r>
+            <a:r>
+              <a:rPr lang="en-US" altLang="zh-TW" sz="2400" dirty="0" smtClean="0"/>
+              <a:t>build </a:t>
+            </a:r>
+            <a:r>
+              <a:rPr lang="en-US" altLang="zh-TW" sz="2400" dirty="0"/>
+              <a:t>a user-friendly system and </a:t>
+            </a:r>
+            <a:r>
+              <a:rPr lang="en-US" altLang="zh-TW" sz="2400" dirty="0" smtClean="0"/>
+              <a:t>add </a:t>
+            </a:r>
+            <a:r>
+              <a:rPr lang="en-US" altLang="zh-TW" sz="2400" dirty="0"/>
+              <a:t>more options </a:t>
+            </a:r>
+            <a:r>
+              <a:rPr lang="en-US" altLang="zh-TW" sz="2400" dirty="0" smtClean="0"/>
+              <a:t>to </a:t>
+            </a:r>
+            <a:r>
+              <a:rPr lang="en-US" altLang="zh-TW" sz="2400" dirty="0"/>
+              <a:t>make it more usable.</a:t>
+            </a:r>
             <a:endParaRPr lang="zh-TW" altLang="en-US" sz="2400" dirty="0"/>
           </a:p>
         </p:txBody>
@@ -13889,7 +15579,7 @@
           <a:p>
             <a:fld id="{9FA8F160-31A3-4C27-8BB1-42994E7552FC}" type="slidenum">
               <a:rPr lang="zh-TW" altLang="en-US" smtClean="0"/>
-              <a:t>7</a:t>
+              <a:t>8</a:t>
             </a:fld>
             <a:endParaRPr lang="zh-TW" altLang="en-US"/>
           </a:p>
@@ -13915,7 +15605,7 @@
 </p:sld>
 </file>
 
-<file path=ppt/slides/slide8.xml><?xml version="1.0" encoding="utf-8"?>
+<file path=ppt/slides/slide9.xml><?xml version="1.0" encoding="utf-8"?>
 <p:sld xmlns:a="http://schemas.openxmlformats.org/drawingml/2006/main" xmlns:r="http://schemas.openxmlformats.org/officeDocument/2006/relationships" xmlns:p="http://schemas.openxmlformats.org/presentationml/2006/main">
   <p:cSld>
     <p:spTree>
@@ -13988,6 +15678,13 @@
   <p:clrMapOvr>
     <a:masterClrMapping/>
   </p:clrMapOvr>
+  <p:timing>
+    <p:tnLst>
+      <p:par>
+        <p:cTn id="1" dur="indefinite" restart="never" nodeType="tmRoot"/>
+      </p:par>
+    </p:tnLst>
+  </p:timing>
 </p:sld>
 </file>
 

--- a/doc/demo_slide.pptx
+++ b/doc/demo_slide.pptx
@@ -12887,10 +12887,15 @@
             <p:ph type="subTitle" idx="1"/>
           </p:nvPr>
         </p:nvSpPr>
-        <p:spPr/>
+        <p:spPr>
+          <a:xfrm>
+            <a:off x="1154955" y="4777380"/>
+            <a:ext cx="8825658" cy="1215916"/>
+          </a:xfrm>
+        </p:spPr>
         <p:txBody>
           <a:bodyPr>
-            <a:normAutofit fontScale="77500" lnSpcReduction="20000"/>
+            <a:normAutofit fontScale="85000" lnSpcReduction="20000"/>
           </a:bodyPr>
           <a:lstStyle/>
           <a:p>
@@ -12924,8 +12929,26 @@
               <a:rPr lang="en-US" altLang="zh-TW" dirty="0">
                 <a:hlinkClick r:id="rId2"/>
               </a:rPr>
-              <a:t>https://github.com/alex9810171/ImageCloning-VFX-FinalProject</a:t>
-            </a:r>
+              <a:t>https://</a:t>
+            </a:r>
+            <a:r>
+              <a:rPr lang="en-US" altLang="zh-TW" dirty="0" smtClean="0">
+                <a:hlinkClick r:id="rId2"/>
+              </a:rPr>
+              <a:t>github.com/alex9810171/ImageCloning-VFX-FinalProject</a:t>
+            </a:r>
+            <a:endParaRPr lang="en-US" altLang="zh-TW" dirty="0" smtClean="0"/>
+          </a:p>
+          <a:p>
+            <a:r>
+              <a:rPr lang="en-US" altLang="zh-TW" dirty="0">
+                <a:hlinkClick r:id="rId3"/>
+              </a:rPr>
+              <a:t>https://imagecloning-vfx-finalproject.herokuapp.com</a:t>
+            </a:r>
+            <a:endParaRPr lang="en-US" altLang="zh-TW" dirty="0" smtClean="0"/>
+          </a:p>
+          <a:p>
             <a:endParaRPr lang="en-US" altLang="zh-TW" dirty="0" smtClean="0"/>
           </a:p>
           <a:p>
@@ -13074,7 +13097,6 @@
               <a:rPr lang="en-US" altLang="zh-TW" sz="2400" dirty="0" smtClean="0"/>
               <a:t>and Future Work</a:t>
             </a:r>
-            <a:endParaRPr lang="en-US" altLang="zh-TW" sz="2400" dirty="0" smtClean="0"/>
           </a:p>
           <a:p>
             <a:pPr>

--- a/doc/demo_slide.pptx
+++ b/doc/demo_slide.pptx
@@ -205,7 +205,7 @@
           <a:p>
             <a:fld id="{47BAA91C-FDD6-4E20-81F9-DEBD1AC9965A}" type="datetimeFigureOut">
               <a:rPr lang="zh-TW" altLang="en-US" smtClean="0"/>
-              <a:t>2022/6/12</a:t>
+              <a:t>2022/6/13</a:t>
             </a:fld>
             <a:endParaRPr lang="zh-TW" altLang="en-US"/>
           </a:p>
@@ -981,7 +981,7 @@
           <a:p>
             <a:fld id="{C9978A26-E8F0-4FB2-9E43-7A5DD0F938D3}" type="datetime1">
               <a:rPr lang="zh-TW" altLang="en-US" smtClean="0"/>
-              <a:t>2022/6/12</a:t>
+              <a:t>2022/6/13</a:t>
             </a:fld>
             <a:endParaRPr lang="zh-TW" altLang="en-US"/>
           </a:p>
@@ -1963,7 +1963,7 @@
           <a:p>
             <a:fld id="{272A9079-F551-40EF-9B7E-74FF601D9738}" type="datetime1">
               <a:rPr lang="zh-TW" altLang="en-US" smtClean="0"/>
-              <a:t>2022/6/12</a:t>
+              <a:t>2022/6/13</a:t>
             </a:fld>
             <a:endParaRPr lang="zh-TW" altLang="en-US"/>
           </a:p>
@@ -2833,7 +2833,7 @@
           <a:p>
             <a:fld id="{204F81ED-F30B-41AE-91B1-D13507D45951}" type="datetime1">
               <a:rPr lang="zh-TW" altLang="en-US" smtClean="0"/>
-              <a:t>2022/6/12</a:t>
+              <a:t>2022/6/13</a:t>
             </a:fld>
             <a:endParaRPr lang="zh-TW" altLang="en-US"/>
           </a:p>
@@ -3854,7 +3854,7 @@
           <a:p>
             <a:fld id="{BC3B875A-3459-4D8E-9EED-08C18D89B265}" type="datetime1">
               <a:rPr lang="zh-TW" altLang="en-US" smtClean="0"/>
-              <a:t>2022/6/12</a:t>
+              <a:t>2022/6/13</a:t>
             </a:fld>
             <a:endParaRPr lang="zh-TW" altLang="en-US"/>
           </a:p>
@@ -4775,7 +4775,7 @@
           <a:p>
             <a:fld id="{B5F07EEF-57DA-4C0C-A0D2-A4E2A1DA1B20}" type="datetime1">
               <a:rPr lang="zh-TW" altLang="en-US" smtClean="0"/>
-              <a:t>2022/6/12</a:t>
+              <a:t>2022/6/13</a:t>
             </a:fld>
             <a:endParaRPr lang="zh-TW" altLang="en-US"/>
           </a:p>
@@ -5431,7 +5431,7 @@
           <a:p>
             <a:fld id="{CF44A7B0-A916-454D-89DB-CFC93CECDD4F}" type="datetime1">
               <a:rPr lang="zh-TW" altLang="en-US" smtClean="0"/>
-              <a:t>2022/6/12</a:t>
+              <a:t>2022/6/13</a:t>
             </a:fld>
             <a:endParaRPr lang="zh-TW" altLang="en-US"/>
           </a:p>
@@ -6288,7 +6288,7 @@
           <a:p>
             <a:fld id="{F56BE071-BCAE-4675-B97E-4659D8BE5A55}" type="datetime1">
               <a:rPr lang="zh-TW" altLang="en-US" smtClean="0"/>
-              <a:t>2022/6/12</a:t>
+              <a:t>2022/6/13</a:t>
             </a:fld>
             <a:endParaRPr lang="zh-TW" altLang="en-US"/>
           </a:p>
@@ -6471,7 +6471,7 @@
           <a:p>
             <a:fld id="{3249C62F-D152-469A-BAE3-F4643E5686E9}" type="datetime1">
               <a:rPr lang="zh-TW" altLang="en-US" smtClean="0"/>
-              <a:t>2022/6/12</a:t>
+              <a:t>2022/6/13</a:t>
             </a:fld>
             <a:endParaRPr lang="zh-TW" altLang="en-US"/>
           </a:p>
@@ -7328,7 +7328,7 @@
           <a:p>
             <a:fld id="{7AC553B5-70C9-4124-B580-1B2608C12068}" type="datetime1">
               <a:rPr lang="zh-TW" altLang="en-US" smtClean="0"/>
-              <a:t>2022/6/12</a:t>
+              <a:t>2022/6/13</a:t>
             </a:fld>
             <a:endParaRPr lang="zh-TW" altLang="en-US"/>
           </a:p>
@@ -7547,7 +7547,7 @@
           <a:p>
             <a:fld id="{13721493-6414-4A5F-82CF-2C564FBB52D1}" type="datetime1">
               <a:rPr lang="zh-TW" altLang="en-US" smtClean="0"/>
-              <a:t>2022/6/12</a:t>
+              <a:t>2022/6/13</a:t>
             </a:fld>
             <a:endParaRPr lang="zh-TW" altLang="en-US"/>
           </a:p>
@@ -8472,7 +8472,7 @@
           <a:p>
             <a:fld id="{BAB1D9B8-647E-4E2A-B93D-9B23B4B3C723}" type="datetime1">
               <a:rPr lang="zh-TW" altLang="en-US" smtClean="0"/>
-              <a:t>2022/6/12</a:t>
+              <a:t>2022/6/13</a:t>
             </a:fld>
             <a:endParaRPr lang="zh-TW" altLang="en-US"/>
           </a:p>
@@ -8756,7 +8756,7 @@
           <a:p>
             <a:fld id="{D121119A-7B2A-41D4-9D72-9790F60F2982}" type="datetime1">
               <a:rPr lang="zh-TW" altLang="en-US" smtClean="0"/>
-              <a:t>2022/6/12</a:t>
+              <a:t>2022/6/13</a:t>
             </a:fld>
             <a:endParaRPr lang="zh-TW" altLang="en-US"/>
           </a:p>
@@ -9146,7 +9146,7 @@
           <a:p>
             <a:fld id="{52330AFF-7922-4D51-9689-1526C7F35B30}" type="datetime1">
               <a:rPr lang="zh-TW" altLang="en-US" smtClean="0"/>
-              <a:t>2022/6/12</a:t>
+              <a:t>2022/6/13</a:t>
             </a:fld>
             <a:endParaRPr lang="zh-TW" altLang="en-US"/>
           </a:p>
@@ -9272,7 +9272,7 @@
           <a:p>
             <a:fld id="{E02CA858-781D-439C-85DF-53F32D66D7F9}" type="datetime1">
               <a:rPr lang="zh-TW" altLang="en-US" smtClean="0"/>
-              <a:t>2022/6/12</a:t>
+              <a:t>2022/6/13</a:t>
             </a:fld>
             <a:endParaRPr lang="zh-TW" altLang="en-US"/>
           </a:p>
@@ -9367,7 +9367,7 @@
           <a:p>
             <a:fld id="{71133C19-A608-40A0-8DD9-439B90F1D77A}" type="datetime1">
               <a:rPr lang="zh-TW" altLang="en-US" smtClean="0"/>
-              <a:t>2022/6/12</a:t>
+              <a:t>2022/6/13</a:t>
             </a:fld>
             <a:endParaRPr lang="zh-TW" altLang="en-US"/>
           </a:p>
@@ -10338,7 +10338,7 @@
           <a:p>
             <a:fld id="{0151E022-26A4-4FB3-8E37-A68AE77C13AD}" type="datetime1">
               <a:rPr lang="zh-TW" altLang="en-US" smtClean="0"/>
-              <a:t>2022/6/12</a:t>
+              <a:t>2022/6/13</a:t>
             </a:fld>
             <a:endParaRPr lang="zh-TW" altLang="en-US"/>
           </a:p>
@@ -11333,7 +11333,7 @@
           <a:p>
             <a:fld id="{B6CB960B-3EE9-47E0-8A7D-7016B0C5DAFE}" type="datetime1">
               <a:rPr lang="zh-TW" altLang="en-US" smtClean="0"/>
-              <a:t>2022/6/12</a:t>
+              <a:t>2022/6/13</a:t>
             </a:fld>
             <a:endParaRPr lang="zh-TW" altLang="en-US"/>
           </a:p>
@@ -12217,7 +12217,7 @@
           <a:p>
             <a:fld id="{BC3B875A-3459-4D8E-9EED-08C18D89B265}" type="datetime1">
               <a:rPr lang="zh-TW" altLang="en-US" smtClean="0"/>
-              <a:t>2022/6/12</a:t>
+              <a:t>2022/6/13</a:t>
             </a:fld>
             <a:endParaRPr lang="zh-TW" altLang="en-US"/>
           </a:p>
@@ -13570,7 +13570,11 @@
             </a:pPr>
             <a:r>
               <a:rPr lang="en-US" altLang="zh-TW" sz="2400" dirty="0"/>
-              <a:t>use </a:t>
+              <a:t>U</a:t>
+            </a:r>
+            <a:r>
+              <a:rPr lang="en-US" altLang="zh-TW" sz="2400" dirty="0" smtClean="0"/>
+              <a:t>se </a:t>
             </a:r>
             <a:r>
               <a:rPr lang="en-US" altLang="zh-TW" sz="2400" dirty="0" smtClean="0"/>
